--- a/Presentation/Progressive web apps.pptx
+++ b/Presentation/Progressive web apps.pptx
@@ -4113,7 +4113,7 @@
           <a:p>
             <a:fld id="{9DA1005E-B1AB-4E27-B39B-C3B13DDBE5C4}" type="datetimeFigureOut">
               <a:rPr lang="en-US" smtClean="0"/>
-              <a:t>10/2/2018</a:t>
+              <a:t>10/3/2018</a:t>
             </a:fld>
             <a:endParaRPr lang="en-US"/>
           </a:p>
@@ -4610,7 +4610,7 @@
             <a:fld id="{B61BEF0D-F0BB-DE4B-95CE-6DB70DBA9567}" type="datetimeFigureOut">
               <a:rPr lang="en-US" dirty="0"/>
               <a:pPr/>
-              <a:t>10/2/2018</a:t>
+              <a:t>10/3/2018</a:t>
             </a:fld>
             <a:endParaRPr lang="en-US" dirty="0"/>
           </a:p>
@@ -4941,7 +4941,7 @@
             <a:fld id="{B61BEF0D-F0BB-DE4B-95CE-6DB70DBA9567}" type="datetimeFigureOut">
               <a:rPr lang="en-US" dirty="0"/>
               <a:pPr/>
-              <a:t>10/2/2018</a:t>
+              <a:t>10/3/2018</a:t>
             </a:fld>
             <a:endParaRPr lang="en-US" dirty="0"/>
           </a:p>
@@ -5216,7 +5216,7 @@
             <a:fld id="{B61BEF0D-F0BB-DE4B-95CE-6DB70DBA9567}" type="datetimeFigureOut">
               <a:rPr lang="en-US" dirty="0"/>
               <a:pPr/>
-              <a:t>10/2/2018</a:t>
+              <a:t>10/3/2018</a:t>
             </a:fld>
             <a:endParaRPr lang="en-US" dirty="0"/>
           </a:p>
@@ -5781,7 +5781,7 @@
             <a:fld id="{B61BEF0D-F0BB-DE4B-95CE-6DB70DBA9567}" type="datetimeFigureOut">
               <a:rPr lang="en-US" dirty="0"/>
               <a:pPr/>
-              <a:t>10/2/2018</a:t>
+              <a:t>10/3/2018</a:t>
             </a:fld>
             <a:endParaRPr lang="en-US" dirty="0"/>
           </a:p>
@@ -6056,7 +6056,7 @@
             <a:fld id="{B61BEF0D-F0BB-DE4B-95CE-6DB70DBA9567}" type="datetimeFigureOut">
               <a:rPr lang="en-US" dirty="0"/>
               <a:pPr/>
-              <a:t>10/2/2018</a:t>
+              <a:t>10/3/2018</a:t>
             </a:fld>
             <a:endParaRPr lang="en-US" dirty="0"/>
           </a:p>
@@ -6615,7 +6615,7 @@
             <a:fld id="{B61BEF0D-F0BB-DE4B-95CE-6DB70DBA9567}" type="datetimeFigureOut">
               <a:rPr lang="en-US" dirty="0"/>
               <a:pPr/>
-              <a:t>10/2/2018</a:t>
+              <a:t>10/3/2018</a:t>
             </a:fld>
             <a:endParaRPr lang="en-US" dirty="0"/>
           </a:p>
@@ -6939,7 +6939,7 @@
             <a:fld id="{B61BEF0D-F0BB-DE4B-95CE-6DB70DBA9567}" type="datetimeFigureOut">
               <a:rPr lang="en-US" dirty="0"/>
               <a:pPr/>
-              <a:t>10/2/2018</a:t>
+              <a:t>10/3/2018</a:t>
             </a:fld>
             <a:endParaRPr lang="en-US" dirty="0"/>
           </a:p>
@@ -7113,7 +7113,7 @@
             <a:fld id="{B61BEF0D-F0BB-DE4B-95CE-6DB70DBA9567}" type="datetimeFigureOut">
               <a:rPr lang="en-US" dirty="0"/>
               <a:pPr/>
-              <a:t>10/2/2018</a:t>
+              <a:t>10/3/2018</a:t>
             </a:fld>
             <a:endParaRPr lang="en-US" dirty="0"/>
           </a:p>
@@ -7348,7 +7348,7 @@
             <a:fld id="{B61BEF0D-F0BB-DE4B-95CE-6DB70DBA9567}" type="datetimeFigureOut">
               <a:rPr lang="en-US" dirty="0"/>
               <a:pPr/>
-              <a:t>10/2/2018</a:t>
+              <a:t>10/3/2018</a:t>
             </a:fld>
             <a:endParaRPr lang="en-US" dirty="0"/>
           </a:p>
@@ -7545,7 +7545,7 @@
             <a:fld id="{B61BEF0D-F0BB-DE4B-95CE-6DB70DBA9567}" type="datetimeFigureOut">
               <a:rPr lang="en-US" dirty="0"/>
               <a:pPr/>
-              <a:t>10/2/2018</a:t>
+              <a:t>10/3/2018</a:t>
             </a:fld>
             <a:endParaRPr lang="en-US" dirty="0"/>
           </a:p>
@@ -7818,7 +7818,7 @@
             <a:fld id="{B61BEF0D-F0BB-DE4B-95CE-6DB70DBA9567}" type="datetimeFigureOut">
               <a:rPr lang="en-US" dirty="0"/>
               <a:pPr/>
-              <a:t>10/2/2018</a:t>
+              <a:t>10/3/2018</a:t>
             </a:fld>
             <a:endParaRPr lang="en-US" dirty="0"/>
           </a:p>
@@ -8081,7 +8081,7 @@
             <a:fld id="{B61BEF0D-F0BB-DE4B-95CE-6DB70DBA9567}" type="datetimeFigureOut">
               <a:rPr lang="en-US" dirty="0"/>
               <a:pPr/>
-              <a:t>10/2/2018</a:t>
+              <a:t>10/3/2018</a:t>
             </a:fld>
             <a:endParaRPr lang="en-US" dirty="0"/>
           </a:p>
@@ -8452,7 +8452,7 @@
             <a:fld id="{B61BEF0D-F0BB-DE4B-95CE-6DB70DBA9567}" type="datetimeFigureOut">
               <a:rPr lang="en-US" dirty="0"/>
               <a:pPr/>
-              <a:t>10/2/2018</a:t>
+              <a:t>10/3/2018</a:t>
             </a:fld>
             <a:endParaRPr lang="en-US" dirty="0"/>
           </a:p>
@@ -8597,7 +8597,7 @@
             <a:fld id="{B61BEF0D-F0BB-DE4B-95CE-6DB70DBA9567}" type="datetimeFigureOut">
               <a:rPr lang="en-US" dirty="0"/>
               <a:pPr/>
-              <a:t>10/2/2018</a:t>
+              <a:t>10/3/2018</a:t>
             </a:fld>
             <a:endParaRPr lang="en-US" dirty="0"/>
           </a:p>
@@ -8719,7 +8719,7 @@
             <a:fld id="{B61BEF0D-F0BB-DE4B-95CE-6DB70DBA9567}" type="datetimeFigureOut">
               <a:rPr lang="en-US" dirty="0"/>
               <a:pPr/>
-              <a:t>10/2/2018</a:t>
+              <a:t>10/3/2018</a:t>
             </a:fld>
             <a:endParaRPr lang="en-US" dirty="0"/>
           </a:p>
@@ -9001,7 +9001,7 @@
             <a:fld id="{B61BEF0D-F0BB-DE4B-95CE-6DB70DBA9567}" type="datetimeFigureOut">
               <a:rPr lang="en-US" dirty="0"/>
               <a:pPr/>
-              <a:t>10/2/2018</a:t>
+              <a:t>10/3/2018</a:t>
             </a:fld>
             <a:endParaRPr lang="en-US" dirty="0"/>
           </a:p>
@@ -9322,7 +9322,7 @@
             <a:fld id="{B61BEF0D-F0BB-DE4B-95CE-6DB70DBA9567}" type="datetimeFigureOut">
               <a:rPr lang="en-US" dirty="0"/>
               <a:pPr/>
-              <a:t>10/2/2018</a:t>
+              <a:t>10/3/2018</a:t>
             </a:fld>
             <a:endParaRPr lang="en-US" dirty="0"/>
           </a:p>
@@ -9533,7 +9533,7 @@
             <a:fld id="{B61BEF0D-F0BB-DE4B-95CE-6DB70DBA9567}" type="datetimeFigureOut">
               <a:rPr lang="en-US" dirty="0"/>
               <a:pPr/>
-              <a:t>10/2/2018</a:t>
+              <a:t>10/3/2018</a:t>
             </a:fld>
             <a:endParaRPr lang="en-US" dirty="0"/>
           </a:p>
@@ -13166,7 +13166,7 @@
                       </p166:blipFill>
                       <p166:spPr xmlns:p166="http://schemas.microsoft.com/office/powerpoint/2016/6/main">
                         <a:xfrm>
-                          <a:off x="375387" y="1876443"/>
+                          <a:off x="375384" y="1876438"/>
                           <a:ext cx="2279570" cy="1282258"/>
                         </a:xfrm>
                         <a:prstGeom prst="rect">
@@ -13190,7 +13190,7 @@
                       </p166:blipFill>
                       <p166:spPr xmlns:p166="http://schemas.microsoft.com/office/powerpoint/2016/6/main">
                         <a:xfrm>
-                          <a:off x="2743729" y="1878331"/>
+                          <a:off x="2743720" y="1878331"/>
                           <a:ext cx="2279570" cy="1282258"/>
                         </a:xfrm>
                         <a:prstGeom prst="rect">
@@ -13214,7 +13214,7 @@
                       </p166:blipFill>
                       <p166:spPr xmlns:p166="http://schemas.microsoft.com/office/powerpoint/2016/6/main">
                         <a:xfrm>
-                          <a:off x="5110083" y="1867575"/>
+                          <a:off x="5110073" y="1867573"/>
                           <a:ext cx="2279570" cy="1282258"/>
                         </a:xfrm>
                         <a:prstGeom prst="rect">
@@ -13238,7 +13238,7 @@
                       </p166:blipFill>
                       <p166:spPr xmlns:p166="http://schemas.microsoft.com/office/powerpoint/2016/6/main">
                         <a:xfrm>
-                          <a:off x="7507610" y="1287462"/>
+                          <a:off x="7507611" y="1287467"/>
                           <a:ext cx="2279570" cy="1282258"/>
                         </a:xfrm>
                         <a:prstGeom prst="rect">
@@ -13283,7 +13283,7 @@
             </p:grpSpPr>
             <p:pic>
               <p:nvPicPr>
-                <p:cNvPr id="6" name="Picture 6">
+                <p:cNvPr id="3" name="Picture 3">
                   <a:hlinkClick r:id="rId9" action="ppaction://hlinksldjump"/>
                 </p:cNvPr>
                 <p:cNvPicPr>
@@ -13314,7 +13314,7 @@
             </p:pic>
             <p:pic>
               <p:nvPicPr>
-                <p:cNvPr id="7" name="Picture 7">
+                <p:cNvPr id="4" name="Picture 4">
                   <a:hlinkClick r:id="rId10" action="ppaction://hlinksldjump"/>
                 </p:cNvPr>
                 <p:cNvPicPr>
@@ -13345,7 +13345,7 @@
             </p:pic>
             <p:pic>
               <p:nvPicPr>
-                <p:cNvPr id="8" name="Picture 8">
+                <p:cNvPr id="6" name="Picture 6">
                   <a:hlinkClick r:id="rId11" action="ppaction://hlinksldjump"/>
                 </p:cNvPr>
                 <p:cNvPicPr>
@@ -13376,7 +13376,7 @@
             </p:pic>
             <p:pic>
               <p:nvPicPr>
-                <p:cNvPr id="9" name="Picture 9">
+                <p:cNvPr id="7" name="Picture 7">
                   <a:hlinkClick r:id="rId12" action="ppaction://hlinksldjump"/>
                 </p:cNvPr>
                 <p:cNvPicPr>
@@ -13392,7 +13392,69 @@
               </p:blipFill>
               <p:spPr>
                 <a:xfrm>
-                  <a:off x="1061187" y="4017981"/>
+                  <a:off x="1061184" y="4017976"/>
+                  <a:ext cx="2279570" cy="1282258"/>
+                </a:xfrm>
+                <a:prstGeom prst="rect">
+                  <a:avLst/>
+                </a:prstGeom>
+                <a:ln w="3175">
+                  <a:solidFill>
+                    <a:prstClr val="ltGray"/>
+                  </a:solidFill>
+                </a:ln>
+              </p:spPr>
+            </p:pic>
+            <p:pic>
+              <p:nvPicPr>
+                <p:cNvPr id="8" name="Picture 8">
+                  <a:hlinkClick r:id="rId13" action="ppaction://hlinksldjump"/>
+                </p:cNvPr>
+                <p:cNvPicPr>
+                  <a:picLocks noSelect="1" noRot="1" noChangeAspect="1" noMove="1" noResize="1" noEditPoints="1" noAdjustHandles="1" noChangeArrowheads="1" noChangeShapeType="1"/>
+                </p:cNvPicPr>
+                <p:nvPr/>
+              </p:nvPicPr>
+              <p:blipFill>
+                <a:blip r:embed="rId6"/>
+                <a:stretch>
+                  <a:fillRect/>
+                </a:stretch>
+              </p:blipFill>
+              <p:spPr>
+                <a:xfrm>
+                  <a:off x="3429520" y="4019869"/>
+                  <a:ext cx="2279570" cy="1282258"/>
+                </a:xfrm>
+                <a:prstGeom prst="rect">
+                  <a:avLst/>
+                </a:prstGeom>
+                <a:ln w="3175">
+                  <a:solidFill>
+                    <a:prstClr val="ltGray"/>
+                  </a:solidFill>
+                </a:ln>
+              </p:spPr>
+            </p:pic>
+            <p:pic>
+              <p:nvPicPr>
+                <p:cNvPr id="9" name="Picture 9">
+                  <a:hlinkClick r:id="rId14" action="ppaction://hlinksldjump"/>
+                </p:cNvPr>
+                <p:cNvPicPr>
+                  <a:picLocks noSelect="1" noRot="1" noChangeAspect="1" noMove="1" noResize="1" noEditPoints="1" noAdjustHandles="1" noChangeArrowheads="1" noChangeShapeType="1"/>
+                </p:cNvPicPr>
+                <p:nvPr/>
+              </p:nvPicPr>
+              <p:blipFill>
+                <a:blip r:embed="rId7"/>
+                <a:stretch>
+                  <a:fillRect/>
+                </a:stretch>
+              </p:blipFill>
+              <p:spPr>
+                <a:xfrm>
+                  <a:off x="5795873" y="4009111"/>
                   <a:ext cx="2279570" cy="1282258"/>
                 </a:xfrm>
                 <a:prstGeom prst="rect">
@@ -13408,68 +13470,6 @@
             <p:pic>
               <p:nvPicPr>
                 <p:cNvPr id="10" name="Picture 10">
-                  <a:hlinkClick r:id="rId13" action="ppaction://hlinksldjump"/>
-                </p:cNvPr>
-                <p:cNvPicPr>
-                  <a:picLocks noSelect="1" noRot="1" noChangeAspect="1" noMove="1" noResize="1" noEditPoints="1" noAdjustHandles="1" noChangeArrowheads="1" noChangeShapeType="1"/>
-                </p:cNvPicPr>
-                <p:nvPr/>
-              </p:nvPicPr>
-              <p:blipFill>
-                <a:blip r:embed="rId6"/>
-                <a:stretch>
-                  <a:fillRect/>
-                </a:stretch>
-              </p:blipFill>
-              <p:spPr>
-                <a:xfrm>
-                  <a:off x="3429529" y="4019869"/>
-                  <a:ext cx="2279570" cy="1282258"/>
-                </a:xfrm>
-                <a:prstGeom prst="rect">
-                  <a:avLst/>
-                </a:prstGeom>
-                <a:ln w="3175">
-                  <a:solidFill>
-                    <a:prstClr val="ltGray"/>
-                  </a:solidFill>
-                </a:ln>
-              </p:spPr>
-            </p:pic>
-            <p:pic>
-              <p:nvPicPr>
-                <p:cNvPr id="11" name="Picture 11">
-                  <a:hlinkClick r:id="rId14" action="ppaction://hlinksldjump"/>
-                </p:cNvPr>
-                <p:cNvPicPr>
-                  <a:picLocks noSelect="1" noRot="1" noChangeAspect="1" noMove="1" noResize="1" noEditPoints="1" noAdjustHandles="1" noChangeArrowheads="1" noChangeShapeType="1"/>
-                </p:cNvPicPr>
-                <p:nvPr/>
-              </p:nvPicPr>
-              <p:blipFill>
-                <a:blip r:embed="rId7"/>
-                <a:stretch>
-                  <a:fillRect/>
-                </a:stretch>
-              </p:blipFill>
-              <p:spPr>
-                <a:xfrm>
-                  <a:off x="5795883" y="4009113"/>
-                  <a:ext cx="2279570" cy="1282258"/>
-                </a:xfrm>
-                <a:prstGeom prst="rect">
-                  <a:avLst/>
-                </a:prstGeom>
-                <a:ln w="3175">
-                  <a:solidFill>
-                    <a:prstClr val="ltGray"/>
-                  </a:solidFill>
-                </a:ln>
-              </p:spPr>
-            </p:pic>
-            <p:pic>
-              <p:nvPicPr>
-                <p:cNvPr id="12" name="Picture 12">
                   <a:hlinkClick r:id="rId15" action="ppaction://hlinksldjump"/>
                 </p:cNvPr>
                 <p:cNvPicPr>
@@ -13485,7 +13485,7 @@
               </p:blipFill>
               <p:spPr>
                 <a:xfrm>
-                  <a:off x="8193410" y="3429000"/>
+                  <a:off x="8193411" y="3429005"/>
                   <a:ext cx="2279570" cy="1282258"/>
                 </a:xfrm>
                 <a:prstGeom prst="rect">
